--- a/microservices-task-1.pptx
+++ b/microservices-task-1.pptx
@@ -105,6 +105,11 @@
       </a:defRPr>
     </a:lvl9pPr>
   </p:defaultTextStyle>
+  <p:extLst>
+    <p:ext uri="{EFAFB233-063F-42B5-8137-9DF3F51BA10A}">
+      <p15:sldGuideLst xmlns:p15="http://schemas.microsoft.com/office/powerpoint/2012/main"/>
+    </p:ext>
+  </p:extLst>
 </p:presentation>
 </file>
 
@@ -121,12 +126,12 @@
   <pc:docChgLst>
     <pc:chgData name="Wang Fengyu Dr" userId="9ad5eade-abe4-44ae-94e6-f5631e30d407" providerId="ADAL" clId="{0CB9009F-2B1A-43A4-A157-6676D044A30D}"/>
     <pc:docChg chg="modSld">
-      <pc:chgData name="Wang Fengyu Dr" userId="9ad5eade-abe4-44ae-94e6-f5631e30d407" providerId="ADAL" clId="{0CB9009F-2B1A-43A4-A157-6676D044A30D}" dt="2021-09-10T05:43:09.347" v="1" actId="164"/>
+      <pc:chgData name="Wang Fengyu Dr" userId="9ad5eade-abe4-44ae-94e6-f5631e30d407" providerId="ADAL" clId="{0CB9009F-2B1A-43A4-A157-6676D044A30D}" dt="2021-09-10T06:01:47.923" v="5" actId="1076"/>
       <pc:docMkLst>
         <pc:docMk/>
       </pc:docMkLst>
-      <pc:sldChg chg="addSp modSp">
-        <pc:chgData name="Wang Fengyu Dr" userId="9ad5eade-abe4-44ae-94e6-f5631e30d407" providerId="ADAL" clId="{0CB9009F-2B1A-43A4-A157-6676D044A30D}" dt="2021-09-10T05:43:09.347" v="1" actId="164"/>
+      <pc:sldChg chg="addSp modSp mod">
+        <pc:chgData name="Wang Fengyu Dr" userId="9ad5eade-abe4-44ae-94e6-f5631e30d407" providerId="ADAL" clId="{0CB9009F-2B1A-43A4-A157-6676D044A30D}" dt="2021-09-10T06:01:47.923" v="5" actId="1076"/>
         <pc:sldMkLst>
           <pc:docMk/>
           <pc:sldMk cId="1694610285" sldId="257"/>
@@ -156,6 +161,14 @@
           </ac:spMkLst>
         </pc:spChg>
         <pc:spChg chg="mod">
+          <ac:chgData name="Wang Fengyu Dr" userId="9ad5eade-abe4-44ae-94e6-f5631e30d407" providerId="ADAL" clId="{0CB9009F-2B1A-43A4-A157-6676D044A30D}" dt="2021-09-10T06:01:47.923" v="5" actId="1076"/>
+          <ac:spMkLst>
+            <pc:docMk/>
+            <pc:sldMk cId="1694610285" sldId="257"/>
+            <ac:spMk id="39" creationId="{79105BD0-3FB2-49C5-B520-AD0923AD7B1B}"/>
+          </ac:spMkLst>
+        </pc:spChg>
+        <pc:spChg chg="mod">
           <ac:chgData name="Wang Fengyu Dr" userId="9ad5eade-abe4-44ae-94e6-f5631e30d407" providerId="ADAL" clId="{0CB9009F-2B1A-43A4-A157-6676D044A30D}" dt="2021-09-10T05:43:04.914" v="0" actId="164"/>
           <ac:spMkLst>
             <pc:docMk/>
@@ -164,7 +177,7 @@
           </ac:spMkLst>
         </pc:spChg>
         <pc:grpChg chg="add mod">
-          <ac:chgData name="Wang Fengyu Dr" userId="9ad5eade-abe4-44ae-94e6-f5631e30d407" providerId="ADAL" clId="{0CB9009F-2B1A-43A4-A157-6676D044A30D}" dt="2021-09-10T05:43:04.914" v="0" actId="164"/>
+          <ac:chgData name="Wang Fengyu Dr" userId="9ad5eade-abe4-44ae-94e6-f5631e30d407" providerId="ADAL" clId="{0CB9009F-2B1A-43A4-A157-6676D044A30D}" dt="2021-09-10T06:01:38.987" v="2" actId="1076"/>
           <ac:grpSpMkLst>
             <pc:docMk/>
             <pc:sldMk cId="1694610285" sldId="257"/>
@@ -179,6 +192,14 @@
             <ac:grpSpMk id="83" creationId="{F83C93AD-F082-4382-823B-90BDFC94726D}"/>
           </ac:grpSpMkLst>
         </pc:grpChg>
+        <pc:cxnChg chg="mod">
+          <ac:chgData name="Wang Fengyu Dr" userId="9ad5eade-abe4-44ae-94e6-f5631e30d407" providerId="ADAL" clId="{0CB9009F-2B1A-43A4-A157-6676D044A30D}" dt="2021-09-10T06:01:45.410" v="4" actId="14100"/>
+          <ac:cxnSpMkLst>
+            <pc:docMk/>
+            <pc:sldMk cId="1694610285" sldId="257"/>
+            <ac:cxnSpMk id="32" creationId="{EFD844AB-EDEF-48D6-967F-558A32BBA444}"/>
+          </ac:cxnSpMkLst>
+        </pc:cxnChg>
       </pc:sldChg>
     </pc:docChg>
   </pc:docChgLst>
@@ -3686,15 +3707,16 @@
             </a:extLst>
           </p:cNvPr>
           <p:cNvCxnSpPr>
-            <a:stCxn id="7" idx="3"/>
+            <a:cxnSpLocks/>
+            <a:stCxn id="12" idx="3"/>
             <a:endCxn id="13" idx="1"/>
           </p:cNvCxnSpPr>
           <p:nvPr/>
         </p:nvCxnSpPr>
         <p:spPr>
           <a:xfrm flipV="1">
-            <a:off x="2124222" y="2114831"/>
-            <a:ext cx="2339925" cy="55116"/>
+            <a:off x="5941253" y="2225944"/>
+            <a:ext cx="978877" cy="1771075"/>
           </a:xfrm>
           <a:prstGeom prst="straightConnector1">
             <a:avLst/>
@@ -3853,7 +3875,7 @@
         </p:nvSpPr>
         <p:spPr>
           <a:xfrm>
-            <a:off x="3412586" y="1680437"/>
+            <a:off x="5742547" y="2410085"/>
             <a:ext cx="1193410" cy="369332"/>
           </a:xfrm>
           <a:prstGeom prst="rect">
@@ -3969,7 +3991,7 @@
         </p:nvGrpSpPr>
         <p:grpSpPr>
           <a:xfrm>
-            <a:off x="4464147" y="1756104"/>
+            <a:off x="6920130" y="1867217"/>
             <a:ext cx="1659987" cy="793673"/>
             <a:chOff x="4464147" y="1756104"/>
             <a:chExt cx="1659987" cy="793673"/>
